--- a/PPTs/09 RxJS.pptx
+++ b/PPTs/09 RxJS.pptx
@@ -172,10 +172,6 @@
 </p:presentation>
 </file>
 
-<file path=ppt/revisionInfo.xml><?xml version="1.0" encoding="utf-8"?>
-<p1510:revInfo xmlns:a="http://schemas.openxmlformats.org/drawingml/2006/main" xmlns:r="http://schemas.openxmlformats.org/officeDocument/2006/relationships" xmlns:p1510="http://schemas.microsoft.com/office/powerpoint/2015/10/main"/>
-</file>
-
 <file path=ppt/notesMasters/notesMaster1.xml><?xml version="1.0" encoding="utf-8"?>
 <p:notesMaster xmlns:a="http://schemas.openxmlformats.org/drawingml/2006/main" xmlns:r="http://schemas.openxmlformats.org/officeDocument/2006/relationships" xmlns:p="http://schemas.openxmlformats.org/presentationml/2006/main">
   <p:cSld>
@@ -259,7 +255,7 @@
             <a:fld id="{4991502B-FFA8-47B9-B4E5-980CA415BAFF}" type="datetimeFigureOut">
               <a:rPr lang="en-US" smtClean="0"/>
               <a:pPr/>
-              <a:t>12/7/2017</a:t>
+              <a:t>5/15/2018</a:t>
             </a:fld>
             <a:endParaRPr lang="en-US"/>
           </a:p>
@@ -8891,6 +8887,16 @@
               <a:t>let </a:t>
             </a:r>
             <a:r>
+              <a:rPr lang="en-US" altLang="en-US" sz="1400" b="1" i="1" dirty="0" err="1">
+                <a:solidFill>
+                  <a:srgbClr val="660E7A"/>
+                </a:solidFill>
+                <a:latin typeface="Courier New" panose="02070309020205020404" pitchFamily="49" charset="0"/>
+                <a:cs typeface="Courier New" panose="02070309020205020404" pitchFamily="49" charset="0"/>
+              </a:rPr>
+              <a:t>asyncSubject</a:t>
+            </a:r>
+            <a:r>
               <a:rPr lang="en-US" altLang="en-US" sz="1400" b="1" i="1" dirty="0">
                 <a:solidFill>
                   <a:srgbClr val="660E7A"/>
@@ -8898,21 +8904,7 @@
                 <a:latin typeface="Courier New" panose="02070309020205020404" pitchFamily="49" charset="0"/>
                 <a:cs typeface="Courier New" panose="02070309020205020404" pitchFamily="49" charset="0"/>
               </a:rPr>
-              <a:t>su</a:t>
-            </a:r>
-            <a:r>
-              <a:rPr kumimoji="0" lang="en-US" altLang="en-US" sz="1400" b="1" i="1" u="none" strike="noStrike" cap="none" normalizeH="0" baseline="0" dirty="0">
-                <a:ln>
-                  <a:noFill/>
-                </a:ln>
-                <a:solidFill>
-                  <a:srgbClr val="660E7A"/>
-                </a:solidFill>
-                <a:effectLst/>
-                <a:latin typeface="Courier New" panose="02070309020205020404" pitchFamily="49" charset="0"/>
-                <a:cs typeface="Courier New" panose="02070309020205020404" pitchFamily="49" charset="0"/>
-              </a:rPr>
-              <a:t>bject </a:t>
+              <a:t> </a:t>
             </a:r>
             <a:r>
               <a:rPr kumimoji="0" lang="en-US" altLang="en-US" sz="1400" b="0" i="0" u="none" strike="noStrike" cap="none" normalizeH="0" baseline="0" dirty="0">
@@ -9474,7 +9466,7 @@
                 <a:latin typeface="Courier New" panose="02070309020205020404" pitchFamily="49" charset="0"/>
                 <a:cs typeface="Courier New" panose="02070309020205020404" pitchFamily="49" charset="0"/>
               </a:rPr>
-              <a:t>subject</a:t>
+              <a:t>asyncSubject</a:t>
             </a:r>
             <a:r>
               <a:rPr kumimoji="0" lang="en-US" altLang="en-US" sz="1400" b="0" i="0" u="none" strike="noStrike" cap="none" normalizeH="0" baseline="0" dirty="0" err="1">
@@ -9865,11 +9857,13 @@
             <a:pPr algn="ctr"/>
             <a:r>
               <a:rPr lang="en-US" sz="1400" dirty="0"/>
-              <a:t>next method </a:t>
-            </a:r>
-            <a:r>
-              <a:rPr lang="en-US" sz="1400"/>
-              <a:t>is invoked only once when the subject completes</a:t>
+              <a:t>next method is invoked only once when the subject completes with last value </a:t>
+            </a:r>
+            <a:r>
+              <a:rPr lang="en-US" sz="1400" dirty="0">
+                <a:sym typeface="Wingdings" panose="05000000000000000000" pitchFamily="2" charset="2"/>
+              </a:rPr>
+              <a:t> 2</a:t>
             </a:r>
             <a:endParaRPr lang="en-US" sz="1400" dirty="0"/>
           </a:p>
@@ -14038,7 +14032,7 @@
           <a:p>
             <a:r>
               <a:rPr lang="en-US" dirty="0"/>
-              <a:t>Once inactivity detected, it emits latest values</a:t>
+              <a:t>Once inactivity detected, it emits latest value</a:t>
             </a:r>
           </a:p>
         </p:txBody>

--- a/PPTs/09 RxJS.pptx
+++ b/PPTs/09 RxJS.pptx
@@ -13388,8 +13388,15 @@
           <a:p>
             <a:r>
               <a:rPr lang="en-US" dirty="0"/>
-              <a:t>do</a:t>
-            </a:r>
+              <a:t>do </a:t>
+            </a:r>
+            <a:r>
+              <a:rPr lang="en-US" dirty="0">
+                <a:sym typeface="Wingdings" panose="05000000000000000000" pitchFamily="2" charset="2"/>
+              </a:rPr>
+              <a:t> tap</a:t>
+            </a:r>
+            <a:endParaRPr lang="en-US" dirty="0"/>
           </a:p>
         </p:txBody>
       </p:sp>
@@ -26506,7 +26513,19 @@
           <a:p>
             <a:r>
               <a:rPr lang="en-US" dirty="0"/>
-              <a:t>catch</a:t>
+              <a:t>catch </a:t>
+            </a:r>
+            <a:r>
+              <a:rPr lang="en-US" dirty="0">
+                <a:sym typeface="Wingdings" panose="05000000000000000000" pitchFamily="2" charset="2"/>
+              </a:rPr>
+              <a:t> </a:t>
+            </a:r>
+            <a:r>
+              <a:rPr lang="en-US" dirty="0" err="1">
+                <a:sym typeface="Wingdings" panose="05000000000000000000" pitchFamily="2" charset="2"/>
+              </a:rPr>
+              <a:t>catchError</a:t>
             </a:r>
             <a:endParaRPr lang="he-IL" dirty="0"/>
           </a:p>
